--- a/present/ไฟล์นำเสนอ.pptx
+++ b/present/ไฟล์นำเสนอ.pptx
@@ -117,6 +117,7 @@
 <p1510:revInfo xmlns:a="http://schemas.openxmlformats.org/drawingml/2006/main" xmlns:r="http://schemas.openxmlformats.org/officeDocument/2006/relationships" xmlns:p1510="http://schemas.microsoft.com/office/powerpoint/2015/10/main">
   <p1510:revLst>
     <p1510:client id="{05E04A15-BAE3-A3E4-7215-B63995B19ACB}" v="488" dt="2024-10-11T14:12:21.768"/>
+    <p1510:client id="{9E4DC61C-ECBF-A240-39BF-9876E290023E}" v="17" dt="2024-10-11T15:36:29.571"/>
   </p1510:revLst>
 </p1510:revInfo>
 </file>
@@ -3144,7 +3145,7 @@
           <p:nvPr>
             <p:extLst>
               <p:ext uri="{D42A27DB-BD31-4B8C-83A1-F6EECF244321}">
-                <p14:modId xmlns:p14="http://schemas.microsoft.com/office/powerpoint/2010/main" val="2812871516"/>
+                <p14:modId xmlns:p14="http://schemas.microsoft.com/office/powerpoint/2010/main" val="3555307139"/>
               </p:ext>
             </p:extLst>
           </p:nvPr>
@@ -3403,10 +3404,9 @@
                     <a:lstStyle/>
                     <a:p>
                       <a:r>
-                        <a:rPr lang="th-TH" err="1"/>
-                        <a:t>Varchar</a:t>
-                      </a:r>
-                      <a:endParaRPr lang="th-TH" dirty="0" err="1"/>
+                        <a:rPr lang="th-TH" dirty="0" err="1"/>
+                        <a:t>String</a:t>
+                      </a:r>
                     </a:p>
                   </a:txBody>
                   <a:tcPr/>
@@ -3501,9 +3501,9 @@
                           <a:latin typeface="Cordia New"/>
                           <a:cs typeface="Cordia New"/>
                         </a:rPr>
-                        <a:t>Text</a:t>
-                      </a:r>
-                      <a:endParaRPr lang="th-TH" dirty="0" err="1"/>
+                        <a:t>String</a:t>
+                      </a:r>
+                      <a:endParaRPr lang="en-US" dirty="0" err="1"/>
                     </a:p>
                   </a:txBody>
                   <a:tcPr/>
@@ -3640,7 +3640,7 @@
                           <a:latin typeface="Cordia New"/>
                           <a:cs typeface="Cordia New"/>
                         </a:rPr>
-                        <a:t>Varchar</a:t>
+                        <a:t>String</a:t>
                       </a:r>
                     </a:p>
                   </a:txBody>
@@ -3729,7 +3729,7 @@
                           <a:latin typeface="Cordia New"/>
                           <a:cs typeface="Cordia New"/>
                         </a:rPr>
-                        <a:t>Varchar</a:t>
+                        <a:t>String</a:t>
                       </a:r>
                     </a:p>
                   </a:txBody>
@@ -3808,16 +3808,16 @@
                         <a:buNone/>
                       </a:pPr>
                       <a:r>
-                        <a:rPr lang="th-TH" sz="2800" b="0" i="0" u="none" strike="noStrike" noProof="0" err="1">
+                        <a:rPr lang="th-TH" sz="2800" b="0" i="0" u="none" strike="noStrike" noProof="0" dirty="0" err="1">
                           <a:solidFill>
                             <a:srgbClr val="000000"/>
                           </a:solidFill>
                           <a:latin typeface="Cordia New"/>
                           <a:cs typeface="Cordia New"/>
                         </a:rPr>
-                        <a:t>Varchar</a:t>
-                      </a:r>
-                      <a:endParaRPr lang="th-TH" err="1"/>
+                        <a:t>String</a:t>
+                      </a:r>
+                      <a:endParaRPr lang="en-US" dirty="0" err="1"/>
                     </a:p>
                   </a:txBody>
                   <a:tcPr/>
